--- a/Documentation/Presentation BIS.pptx
+++ b/Documentation/Presentation BIS.pptx
@@ -27029,7 +27029,7 @@
         <p:fade thruBlk="1"/>
       </p:transition>
     </mc:Choice>
-    <mc:Fallback xmlns="" xmlns:mv="urn:schemas-microsoft-com:mac:vml" xmlns:c="http://schemas.openxmlformats.org/drawingml/2006/chart" xmlns:dgm="http://schemas.openxmlformats.org/drawingml/2006/diagram" xmlns:o="urn:schemas-microsoft-com:office:office" xmlns:v="urn:schemas-microsoft-com:vml" xmlns:pvml="urn:schemas-microsoft-com:office:powerpoint" xmlns:com="http://schemas.openxmlformats.org/drawingml/2006/compatibility" xmlns:p15="http://schemas.microsoft.com/office/powerpoint/2012/main" xmlns:ahyp="http://schemas.microsoft.com/office/drawing/2018/hyperlinkcolor">
+    <mc:Fallback xmlns:ahyp="http://schemas.microsoft.com/office/drawing/2018/hyperlinkcolor" xmlns:p15="http://schemas.microsoft.com/office/powerpoint/2012/main" xmlns:com="http://schemas.openxmlformats.org/drawingml/2006/compatibility" xmlns:pvml="urn:schemas-microsoft-com:office:powerpoint" xmlns:v="urn:schemas-microsoft-com:vml" xmlns:o="urn:schemas-microsoft-com:office:office" xmlns:dgm="http://schemas.openxmlformats.org/drawingml/2006/diagram" xmlns:c="http://schemas.openxmlformats.org/drawingml/2006/chart" xmlns:mv="urn:schemas-microsoft-com:mac:vml" xmlns="">
       <p:transition spd="slow">
         <p:fade/>
       </p:transition>
@@ -31023,6 +31023,53 @@
           </a:prstGeom>
         </p:spPr>
       </p:pic>
+      <p:pic>
+        <p:nvPicPr>
+          <p:cNvPr id="1026" name="Picture 2">
+            <a:extLst>
+              <a:ext uri="{FF2B5EF4-FFF2-40B4-BE49-F238E27FC236}">
+                <a16:creationId xmlns:a16="http://schemas.microsoft.com/office/drawing/2014/main" id="{5DA36396-9D50-A949-D12D-29C443A93C73}"/>
+              </a:ext>
+            </a:extLst>
+          </p:cNvPr>
+          <p:cNvPicPr>
+            <a:picLocks noChangeAspect="1" noChangeArrowheads="1"/>
+          </p:cNvPicPr>
+          <p:nvPr/>
+        </p:nvPicPr>
+        <p:blipFill>
+          <a:blip r:embed="rId15">
+            <a:extLst>
+              <a:ext uri="{28A0092B-C50C-407E-A947-70E740481C1C}">
+                <a14:useLocalDpi xmlns:a14="http://schemas.microsoft.com/office/drawing/2010/main" val="0"/>
+              </a:ext>
+            </a:extLst>
+          </a:blip>
+          <a:srcRect/>
+          <a:stretch>
+            <a:fillRect/>
+          </a:stretch>
+        </p:blipFill>
+        <p:spPr bwMode="auto">
+          <a:xfrm>
+            <a:off x="7269231" y="476658"/>
+            <a:ext cx="1089908" cy="1089908"/>
+          </a:xfrm>
+          <a:prstGeom prst="rect">
+            <a:avLst/>
+          </a:prstGeom>
+          <a:noFill/>
+          <a:extLst>
+            <a:ext uri="{909E8E84-426E-40DD-AFC4-6F175D3DCCD1}">
+              <a14:hiddenFill xmlns:a14="http://schemas.microsoft.com/office/drawing/2010/main">
+                <a:solidFill>
+                  <a:srgbClr val="FFFFFF"/>
+                </a:solidFill>
+              </a14:hiddenFill>
+            </a:ext>
+          </a:extLst>
+        </p:spPr>
+      </p:pic>
     </p:spTree>
   </p:cSld>
   <p:clrMapOvr>
@@ -31806,12 +31853,11 @@
 </file>
 
 <file path=customXml/item1.xml><?xml version="1.0" encoding="utf-8"?>
-<?mso-contentType ?>
-<FormTemplates xmlns="http://schemas.microsoft.com/sharepoint/v3/contenttype/forms">
-  <Display>DocumentLibraryForm</Display>
-  <Edit>DocumentLibraryForm</Edit>
-  <New>DocumentLibraryForm</New>
-</FormTemplates>
+<p:properties xmlns:p="http://schemas.microsoft.com/office/2006/metadata/properties" xmlns:xsi="http://www.w3.org/2001/XMLSchema-instance" xmlns:pc="http://schemas.microsoft.com/office/infopath/2007/PartnerControls">
+  <documentManagement>
+    <_activity xmlns="c2ea8659-bc04-4a8d-85a8-e3c83ebd3738" xsi:nil="true"/>
+  </documentManagement>
+</p:properties>
 </file>
 
 <file path=customXml/item2.xml><?xml version="1.0" encoding="utf-8"?>
@@ -32068,17 +32114,27 @@
 </file>
 
 <file path=customXml/item3.xml><?xml version="1.0" encoding="utf-8"?>
-<p:properties xmlns:p="http://schemas.microsoft.com/office/2006/metadata/properties" xmlns:xsi="http://www.w3.org/2001/XMLSchema-instance" xmlns:pc="http://schemas.microsoft.com/office/infopath/2007/PartnerControls">
-  <documentManagement>
-    <_activity xmlns="c2ea8659-bc04-4a8d-85a8-e3c83ebd3738" xsi:nil="true"/>
-  </documentManagement>
-</p:properties>
+<?mso-contentType ?>
+<FormTemplates xmlns="http://schemas.microsoft.com/sharepoint/v3/contenttype/forms">
+  <Display>DocumentLibraryForm</Display>
+  <Edit>DocumentLibraryForm</Edit>
+  <New>DocumentLibraryForm</New>
+</FormTemplates>
 </file>
 
 <file path=customXml/itemProps1.xml><?xml version="1.0" encoding="utf-8"?>
-<ds:datastoreItem xmlns:ds="http://schemas.openxmlformats.org/officeDocument/2006/customXml" ds:itemID="{8939A2C1-420E-4A2E-987F-8CD993F0947C}">
+<ds:datastoreItem xmlns:ds="http://schemas.openxmlformats.org/officeDocument/2006/customXml" ds:itemID="{EB10D08B-C7AB-4957-AEA4-9FE5209378D4}">
   <ds:schemaRefs>
-    <ds:schemaRef ds:uri="http://schemas.microsoft.com/sharepoint/v3/contenttype/forms"/>
+    <ds:schemaRef ds:uri="81b0186a-5304-4fc4-b7ba-08fd66ef1995"/>
+    <ds:schemaRef ds:uri="http://schemas.openxmlformats.org/package/2006/metadata/core-properties"/>
+    <ds:schemaRef ds:uri="http://www.w3.org/XML/1998/namespace"/>
+    <ds:schemaRef ds:uri="http://schemas.microsoft.com/office/2006/metadata/properties"/>
+    <ds:schemaRef ds:uri="http://purl.org/dc/dcmitype/"/>
+    <ds:schemaRef ds:uri="http://schemas.microsoft.com/office/infopath/2007/PartnerControls"/>
+    <ds:schemaRef ds:uri="http://purl.org/dc/terms/"/>
+    <ds:schemaRef ds:uri="http://schemas.microsoft.com/office/2006/documentManagement/types"/>
+    <ds:schemaRef ds:uri="c2ea8659-bc04-4a8d-85a8-e3c83ebd3738"/>
+    <ds:schemaRef ds:uri="http://purl.org/dc/elements/1.1/"/>
   </ds:schemaRefs>
 </ds:datastoreItem>
 </file>
@@ -32103,18 +32159,9 @@
 </file>
 
 <file path=customXml/itemProps3.xml><?xml version="1.0" encoding="utf-8"?>
-<ds:datastoreItem xmlns:ds="http://schemas.openxmlformats.org/officeDocument/2006/customXml" ds:itemID="{EB10D08B-C7AB-4957-AEA4-9FE5209378D4}">
+<ds:datastoreItem xmlns:ds="http://schemas.openxmlformats.org/officeDocument/2006/customXml" ds:itemID="{8939A2C1-420E-4A2E-987F-8CD993F0947C}">
   <ds:schemaRefs>
-    <ds:schemaRef ds:uri="81b0186a-5304-4fc4-b7ba-08fd66ef1995"/>
-    <ds:schemaRef ds:uri="http://schemas.openxmlformats.org/package/2006/metadata/core-properties"/>
-    <ds:schemaRef ds:uri="http://www.w3.org/XML/1998/namespace"/>
-    <ds:schemaRef ds:uri="http://schemas.microsoft.com/office/2006/metadata/properties"/>
-    <ds:schemaRef ds:uri="http://purl.org/dc/dcmitype/"/>
-    <ds:schemaRef ds:uri="http://schemas.microsoft.com/office/infopath/2007/PartnerControls"/>
-    <ds:schemaRef ds:uri="http://purl.org/dc/terms/"/>
-    <ds:schemaRef ds:uri="http://schemas.microsoft.com/office/2006/documentManagement/types"/>
-    <ds:schemaRef ds:uri="c2ea8659-bc04-4a8d-85a8-e3c83ebd3738"/>
-    <ds:schemaRef ds:uri="http://purl.org/dc/elements/1.1/"/>
+    <ds:schemaRef ds:uri="http://schemas.microsoft.com/sharepoint/v3/contenttype/forms"/>
   </ds:schemaRefs>
 </ds:datastoreItem>
 </file>